--- a/slides/atomic.pptx
+++ b/slides/atomic.pptx
@@ -118,7 +118,7 @@
   </p:defaultTextStyle>
   <p:extLst>
     <p:ext uri="{EFAFB233-063F-42B5-8137-9DF3F51BA10A}">
-      <p15:sldGuideLst xmlns:p15="http://schemas.microsoft.com/office/powerpoint/2012/main"/>
+      <p15:sldGuideLst xmlns:p15="http://schemas.microsoft.com/office/powerpoint/2012/main" xmlns=""/>
     </p:ext>
   </p:extLst>
 </p:presentation>
@@ -206,7 +206,8 @@
           <a:p>
             <a:fld id="{6DB3AEFB-6F98-4552-AF08-FFDA88FD466E}" type="datetimeFigureOut">
               <a:rPr lang="en-US" smtClean="0"/>
-              <a:t>10/1/2019</a:t>
+              <a:pPr/>
+              <a:t>4/17/2020</a:t>
             </a:fld>
             <a:endParaRPr lang="en-US"/>
           </a:p>
@@ -365,6 +366,7 @@
           <a:p>
             <a:fld id="{2FA9EB7E-D645-4A62-A966-5A251170963D}" type="slidenum">
               <a:rPr lang="en-US" smtClean="0"/>
+              <a:pPr/>
               <a:t>‹#›</a:t>
             </a:fld>
             <a:endParaRPr lang="en-US"/>
@@ -374,7 +376,7 @@
     </p:spTree>
     <p:extLst>
       <p:ext uri="{BB962C8B-B14F-4D97-AF65-F5344CB8AC3E}">
-        <p14:creationId xmlns:p14="http://schemas.microsoft.com/office/powerpoint/2010/main" val="1766895975"/>
+        <p14:creationId xmlns:p14="http://schemas.microsoft.com/office/powerpoint/2010/main" xmlns="" val="1766895975"/>
       </p:ext>
     </p:extLst>
   </p:cSld>
@@ -529,7 +531,7 @@
           <a:effectLst/>
           <a:extLst>
             <a:ext uri="{AF507438-7753-43E0-B8FC-AC1667EBCBE1}">
-              <a14:hiddenEffects xmlns:a14="http://schemas.microsoft.com/office/drawing/2010/main">
+              <a14:hiddenEffects xmlns:a14="http://schemas.microsoft.com/office/drawing/2010/main" xmlns="">
                 <a:effectLst>
                   <a:outerShdw dist="35921" dir="2700000" algn="ctr" rotWithShape="0">
                     <a:srgbClr val="808080"/>
@@ -565,7 +567,7 @@
           <a:noFill/>
           <a:extLst>
             <a:ext uri="{91240B29-F687-4F45-9708-019B960494DF}">
-              <a14:hiddenLine xmlns:a14="http://schemas.microsoft.com/office/drawing/2010/main" w="9525">
+              <a14:hiddenLine xmlns:a14="http://schemas.microsoft.com/office/drawing/2010/main" xmlns="" w="9525">
                 <a:solidFill>
                   <a:srgbClr val="000000"/>
                 </a:solidFill>
@@ -575,7 +577,7 @@
               </a14:hiddenLine>
             </a:ext>
             <a:ext uri="{AF507438-7753-43E0-B8FC-AC1667EBCBE1}">
-              <a14:hiddenEffects xmlns:a14="http://schemas.microsoft.com/office/drawing/2010/main">
+              <a14:hiddenEffects xmlns:a14="http://schemas.microsoft.com/office/drawing/2010/main" xmlns="">
                 <a:effectLst>
                   <a:outerShdw dist="35921" dir="2700000" algn="ctr" rotWithShape="0">
                     <a:srgbClr val="808080"/>
@@ -598,7 +600,7 @@
     </p:spTree>
     <p:extLst>
       <p:ext uri="{BB962C8B-B14F-4D97-AF65-F5344CB8AC3E}">
-        <p14:creationId xmlns:p14="http://schemas.microsoft.com/office/powerpoint/2010/main" val="2299634828"/>
+        <p14:creationId xmlns:p14="http://schemas.microsoft.com/office/powerpoint/2010/main" xmlns="" val="2299634828"/>
       </p:ext>
     </p:extLst>
   </p:cSld>
@@ -663,7 +665,7 @@
           <a:effectLst/>
           <a:extLst>
             <a:ext uri="{AF507438-7753-43E0-B8FC-AC1667EBCBE1}">
-              <a14:hiddenEffects xmlns:a14="http://schemas.microsoft.com/office/drawing/2010/main">
+              <a14:hiddenEffects xmlns:a14="http://schemas.microsoft.com/office/drawing/2010/main" xmlns="">
                 <a:effectLst>
                   <a:outerShdw dist="35921" dir="2700000" algn="ctr" rotWithShape="0">
                     <a:srgbClr val="808080"/>
@@ -699,7 +701,7 @@
           <a:noFill/>
           <a:extLst>
             <a:ext uri="{91240B29-F687-4F45-9708-019B960494DF}">
-              <a14:hiddenLine xmlns:a14="http://schemas.microsoft.com/office/drawing/2010/main" w="9525">
+              <a14:hiddenLine xmlns:a14="http://schemas.microsoft.com/office/drawing/2010/main" xmlns="" w="9525">
                 <a:solidFill>
                   <a:srgbClr val="000000"/>
                 </a:solidFill>
@@ -709,7 +711,7 @@
               </a14:hiddenLine>
             </a:ext>
             <a:ext uri="{AF507438-7753-43E0-B8FC-AC1667EBCBE1}">
-              <a14:hiddenEffects xmlns:a14="http://schemas.microsoft.com/office/drawing/2010/main">
+              <a14:hiddenEffects xmlns:a14="http://schemas.microsoft.com/office/drawing/2010/main" xmlns="">
                 <a:effectLst>
                   <a:outerShdw dist="35921" dir="2700000" algn="ctr" rotWithShape="0">
                     <a:srgbClr val="808080"/>
@@ -732,7 +734,7 @@
     </p:spTree>
     <p:extLst>
       <p:ext uri="{BB962C8B-B14F-4D97-AF65-F5344CB8AC3E}">
-        <p14:creationId xmlns:p14="http://schemas.microsoft.com/office/powerpoint/2010/main" val="3036871856"/>
+        <p14:creationId xmlns:p14="http://schemas.microsoft.com/office/powerpoint/2010/main" xmlns="" val="3036871856"/>
       </p:ext>
     </p:extLst>
   </p:cSld>
@@ -797,7 +799,7 @@
           <a:effectLst/>
           <a:extLst>
             <a:ext uri="{AF507438-7753-43E0-B8FC-AC1667EBCBE1}">
-              <a14:hiddenEffects xmlns:a14="http://schemas.microsoft.com/office/drawing/2010/main">
+              <a14:hiddenEffects xmlns:a14="http://schemas.microsoft.com/office/drawing/2010/main" xmlns="">
                 <a:effectLst>
                   <a:outerShdw dist="35921" dir="2700000" algn="ctr" rotWithShape="0">
                     <a:srgbClr val="808080"/>
@@ -833,7 +835,7 @@
           <a:noFill/>
           <a:extLst>
             <a:ext uri="{91240B29-F687-4F45-9708-019B960494DF}">
-              <a14:hiddenLine xmlns:a14="http://schemas.microsoft.com/office/drawing/2010/main" w="9525">
+              <a14:hiddenLine xmlns:a14="http://schemas.microsoft.com/office/drawing/2010/main" xmlns="" w="9525">
                 <a:solidFill>
                   <a:srgbClr val="000000"/>
                 </a:solidFill>
@@ -843,7 +845,7 @@
               </a14:hiddenLine>
             </a:ext>
             <a:ext uri="{AF507438-7753-43E0-B8FC-AC1667EBCBE1}">
-              <a14:hiddenEffects xmlns:a14="http://schemas.microsoft.com/office/drawing/2010/main">
+              <a14:hiddenEffects xmlns:a14="http://schemas.microsoft.com/office/drawing/2010/main" xmlns="">
                 <a:effectLst>
                   <a:outerShdw dist="35921" dir="2700000" algn="ctr" rotWithShape="0">
                     <a:srgbClr val="808080"/>
@@ -866,7 +868,7 @@
     </p:spTree>
     <p:extLst>
       <p:ext uri="{BB962C8B-B14F-4D97-AF65-F5344CB8AC3E}">
-        <p14:creationId xmlns:p14="http://schemas.microsoft.com/office/powerpoint/2010/main" val="3074877463"/>
+        <p14:creationId xmlns:p14="http://schemas.microsoft.com/office/powerpoint/2010/main" xmlns="" val="3074877463"/>
       </p:ext>
     </p:extLst>
   </p:cSld>
@@ -931,7 +933,7 @@
           <a:effectLst/>
           <a:extLst>
             <a:ext uri="{AF507438-7753-43E0-B8FC-AC1667EBCBE1}">
-              <a14:hiddenEffects xmlns:a14="http://schemas.microsoft.com/office/drawing/2010/main">
+              <a14:hiddenEffects xmlns:a14="http://schemas.microsoft.com/office/drawing/2010/main" xmlns="">
                 <a:effectLst>
                   <a:outerShdw dist="35921" dir="2700000" algn="ctr" rotWithShape="0">
                     <a:srgbClr val="808080"/>
@@ -967,7 +969,7 @@
           <a:noFill/>
           <a:extLst>
             <a:ext uri="{91240B29-F687-4F45-9708-019B960494DF}">
-              <a14:hiddenLine xmlns:a14="http://schemas.microsoft.com/office/drawing/2010/main" w="9525">
+              <a14:hiddenLine xmlns:a14="http://schemas.microsoft.com/office/drawing/2010/main" xmlns="" w="9525">
                 <a:solidFill>
                   <a:srgbClr val="000000"/>
                 </a:solidFill>
@@ -977,7 +979,7 @@
               </a14:hiddenLine>
             </a:ext>
             <a:ext uri="{AF507438-7753-43E0-B8FC-AC1667EBCBE1}">
-              <a14:hiddenEffects xmlns:a14="http://schemas.microsoft.com/office/drawing/2010/main">
+              <a14:hiddenEffects xmlns:a14="http://schemas.microsoft.com/office/drawing/2010/main" xmlns="">
                 <a:effectLst>
                   <a:outerShdw dist="35921" dir="2700000" algn="ctr" rotWithShape="0">
                     <a:srgbClr val="808080"/>
@@ -1000,7 +1002,7 @@
     </p:spTree>
     <p:extLst>
       <p:ext uri="{BB962C8B-B14F-4D97-AF65-F5344CB8AC3E}">
-        <p14:creationId xmlns:p14="http://schemas.microsoft.com/office/powerpoint/2010/main" val="2308391288"/>
+        <p14:creationId xmlns:p14="http://schemas.microsoft.com/office/powerpoint/2010/main" xmlns="" val="2308391288"/>
       </p:ext>
     </p:extLst>
   </p:cSld>
@@ -1065,7 +1067,7 @@
           <a:effectLst/>
           <a:extLst>
             <a:ext uri="{AF507438-7753-43E0-B8FC-AC1667EBCBE1}">
-              <a14:hiddenEffects xmlns:a14="http://schemas.microsoft.com/office/drawing/2010/main">
+              <a14:hiddenEffects xmlns:a14="http://schemas.microsoft.com/office/drawing/2010/main" xmlns="">
                 <a:effectLst>
                   <a:outerShdw dist="35921" dir="2700000" algn="ctr" rotWithShape="0">
                     <a:srgbClr val="808080"/>
@@ -1101,7 +1103,7 @@
           <a:noFill/>
           <a:extLst>
             <a:ext uri="{91240B29-F687-4F45-9708-019B960494DF}">
-              <a14:hiddenLine xmlns:a14="http://schemas.microsoft.com/office/drawing/2010/main" w="9525">
+              <a14:hiddenLine xmlns:a14="http://schemas.microsoft.com/office/drawing/2010/main" xmlns="" w="9525">
                 <a:solidFill>
                   <a:srgbClr val="000000"/>
                 </a:solidFill>
@@ -1111,7 +1113,7 @@
               </a14:hiddenLine>
             </a:ext>
             <a:ext uri="{AF507438-7753-43E0-B8FC-AC1667EBCBE1}">
-              <a14:hiddenEffects xmlns:a14="http://schemas.microsoft.com/office/drawing/2010/main">
+              <a14:hiddenEffects xmlns:a14="http://schemas.microsoft.com/office/drawing/2010/main" xmlns="">
                 <a:effectLst>
                   <a:outerShdw dist="35921" dir="2700000" algn="ctr" rotWithShape="0">
                     <a:srgbClr val="808080"/>
@@ -1134,7 +1136,7 @@
     </p:spTree>
     <p:extLst>
       <p:ext uri="{BB962C8B-B14F-4D97-AF65-F5344CB8AC3E}">
-        <p14:creationId xmlns:p14="http://schemas.microsoft.com/office/powerpoint/2010/main" val="387470333"/>
+        <p14:creationId xmlns:p14="http://schemas.microsoft.com/office/powerpoint/2010/main" xmlns="" val="387470333"/>
       </p:ext>
     </p:extLst>
   </p:cSld>
@@ -1199,7 +1201,7 @@
           <a:effectLst/>
           <a:extLst>
             <a:ext uri="{AF507438-7753-43E0-B8FC-AC1667EBCBE1}">
-              <a14:hiddenEffects xmlns:a14="http://schemas.microsoft.com/office/drawing/2010/main">
+              <a14:hiddenEffects xmlns:a14="http://schemas.microsoft.com/office/drawing/2010/main" xmlns="">
                 <a:effectLst>
                   <a:outerShdw dist="35921" dir="2700000" algn="ctr" rotWithShape="0">
                     <a:srgbClr val="808080"/>
@@ -1235,7 +1237,7 @@
           <a:noFill/>
           <a:extLst>
             <a:ext uri="{91240B29-F687-4F45-9708-019B960494DF}">
-              <a14:hiddenLine xmlns:a14="http://schemas.microsoft.com/office/drawing/2010/main" w="9525">
+              <a14:hiddenLine xmlns:a14="http://schemas.microsoft.com/office/drawing/2010/main" xmlns="" w="9525">
                 <a:solidFill>
                   <a:srgbClr val="000000"/>
                 </a:solidFill>
@@ -1245,7 +1247,7 @@
               </a14:hiddenLine>
             </a:ext>
             <a:ext uri="{AF507438-7753-43E0-B8FC-AC1667EBCBE1}">
-              <a14:hiddenEffects xmlns:a14="http://schemas.microsoft.com/office/drawing/2010/main">
+              <a14:hiddenEffects xmlns:a14="http://schemas.microsoft.com/office/drawing/2010/main" xmlns="">
                 <a:effectLst>
                   <a:outerShdw dist="35921" dir="2700000" algn="ctr" rotWithShape="0">
                     <a:srgbClr val="808080"/>
@@ -1268,7 +1270,7 @@
     </p:spTree>
     <p:extLst>
       <p:ext uri="{BB962C8B-B14F-4D97-AF65-F5344CB8AC3E}">
-        <p14:creationId xmlns:p14="http://schemas.microsoft.com/office/powerpoint/2010/main" val="1249297631"/>
+        <p14:creationId xmlns:p14="http://schemas.microsoft.com/office/powerpoint/2010/main" xmlns="" val="1249297631"/>
       </p:ext>
     </p:extLst>
   </p:cSld>
@@ -1333,7 +1335,7 @@
           <a:effectLst/>
           <a:extLst>
             <a:ext uri="{AF507438-7753-43E0-B8FC-AC1667EBCBE1}">
-              <a14:hiddenEffects xmlns:a14="http://schemas.microsoft.com/office/drawing/2010/main">
+              <a14:hiddenEffects xmlns:a14="http://schemas.microsoft.com/office/drawing/2010/main" xmlns="">
                 <a:effectLst>
                   <a:outerShdw dist="35921" dir="2700000" algn="ctr" rotWithShape="0">
                     <a:srgbClr val="808080"/>
@@ -1369,7 +1371,7 @@
           <a:noFill/>
           <a:extLst>
             <a:ext uri="{91240B29-F687-4F45-9708-019B960494DF}">
-              <a14:hiddenLine xmlns:a14="http://schemas.microsoft.com/office/drawing/2010/main" w="9525">
+              <a14:hiddenLine xmlns:a14="http://schemas.microsoft.com/office/drawing/2010/main" xmlns="" w="9525">
                 <a:solidFill>
                   <a:srgbClr val="000000"/>
                 </a:solidFill>
@@ -1379,7 +1381,7 @@
               </a14:hiddenLine>
             </a:ext>
             <a:ext uri="{AF507438-7753-43E0-B8FC-AC1667EBCBE1}">
-              <a14:hiddenEffects xmlns:a14="http://schemas.microsoft.com/office/drawing/2010/main">
+              <a14:hiddenEffects xmlns:a14="http://schemas.microsoft.com/office/drawing/2010/main" xmlns="">
                 <a:effectLst>
                   <a:outerShdw dist="35921" dir="2700000" algn="ctr" rotWithShape="0">
                     <a:srgbClr val="808080"/>
@@ -1402,7 +1404,7 @@
     </p:spTree>
     <p:extLst>
       <p:ext uri="{BB962C8B-B14F-4D97-AF65-F5344CB8AC3E}">
-        <p14:creationId xmlns:p14="http://schemas.microsoft.com/office/powerpoint/2010/main" val="3948810853"/>
+        <p14:creationId xmlns:p14="http://schemas.microsoft.com/office/powerpoint/2010/main" xmlns="" val="3948810853"/>
       </p:ext>
     </p:extLst>
   </p:cSld>
@@ -1467,7 +1469,7 @@
           <a:effectLst/>
           <a:extLst>
             <a:ext uri="{AF507438-7753-43E0-B8FC-AC1667EBCBE1}">
-              <a14:hiddenEffects xmlns:a14="http://schemas.microsoft.com/office/drawing/2010/main">
+              <a14:hiddenEffects xmlns:a14="http://schemas.microsoft.com/office/drawing/2010/main" xmlns="">
                 <a:effectLst>
                   <a:outerShdw dist="35921" dir="2700000" algn="ctr" rotWithShape="0">
                     <a:srgbClr val="808080"/>
@@ -1503,7 +1505,7 @@
           <a:noFill/>
           <a:extLst>
             <a:ext uri="{91240B29-F687-4F45-9708-019B960494DF}">
-              <a14:hiddenLine xmlns:a14="http://schemas.microsoft.com/office/drawing/2010/main" w="9525">
+              <a14:hiddenLine xmlns:a14="http://schemas.microsoft.com/office/drawing/2010/main" xmlns="" w="9525">
                 <a:solidFill>
                   <a:srgbClr val="000000"/>
                 </a:solidFill>
@@ -1513,7 +1515,7 @@
               </a14:hiddenLine>
             </a:ext>
             <a:ext uri="{AF507438-7753-43E0-B8FC-AC1667EBCBE1}">
-              <a14:hiddenEffects xmlns:a14="http://schemas.microsoft.com/office/drawing/2010/main">
+              <a14:hiddenEffects xmlns:a14="http://schemas.microsoft.com/office/drawing/2010/main" xmlns="">
                 <a:effectLst>
                   <a:outerShdw dist="35921" dir="2700000" algn="ctr" rotWithShape="0">
                     <a:srgbClr val="808080"/>
@@ -1536,7 +1538,7 @@
     </p:spTree>
     <p:extLst>
       <p:ext uri="{BB962C8B-B14F-4D97-AF65-F5344CB8AC3E}">
-        <p14:creationId xmlns:p14="http://schemas.microsoft.com/office/powerpoint/2010/main" val="2803534696"/>
+        <p14:creationId xmlns:p14="http://schemas.microsoft.com/office/powerpoint/2010/main" xmlns="" val="2803534696"/>
       </p:ext>
     </p:extLst>
   </p:cSld>
@@ -1677,7 +1679,8 @@
           <a:p>
             <a:fld id="{DDC0FC74-98A3-485C-8B20-3C4902941228}" type="datetimeFigureOut">
               <a:rPr lang="en-US" smtClean="0"/>
-              <a:t>10/1/2019</a:t>
+              <a:pPr/>
+              <a:t>4/17/2020</a:t>
             </a:fld>
             <a:endParaRPr lang="en-US"/>
           </a:p>
@@ -1719,6 +1722,7 @@
           <a:p>
             <a:fld id="{22356458-2D8D-4006-8DA0-E5C1055C5D4A}" type="slidenum">
               <a:rPr lang="en-US" smtClean="0"/>
+              <a:pPr/>
               <a:t>‹#›</a:t>
             </a:fld>
             <a:endParaRPr lang="en-US"/>
@@ -1728,7 +1732,7 @@
     </p:spTree>
     <p:extLst>
       <p:ext uri="{BB962C8B-B14F-4D97-AF65-F5344CB8AC3E}">
-        <p14:creationId xmlns:p14="http://schemas.microsoft.com/office/powerpoint/2010/main" val="2345614490"/>
+        <p14:creationId xmlns:p14="http://schemas.microsoft.com/office/powerpoint/2010/main" xmlns="" val="2345614490"/>
       </p:ext>
     </p:extLst>
   </p:cSld>
@@ -1847,7 +1851,8 @@
           <a:p>
             <a:fld id="{DDC0FC74-98A3-485C-8B20-3C4902941228}" type="datetimeFigureOut">
               <a:rPr lang="en-US" smtClean="0"/>
-              <a:t>10/1/2019</a:t>
+              <a:pPr/>
+              <a:t>4/17/2020</a:t>
             </a:fld>
             <a:endParaRPr lang="en-US"/>
           </a:p>
@@ -1889,6 +1894,7 @@
           <a:p>
             <a:fld id="{22356458-2D8D-4006-8DA0-E5C1055C5D4A}" type="slidenum">
               <a:rPr lang="en-US" smtClean="0"/>
+              <a:pPr/>
               <a:t>‹#›</a:t>
             </a:fld>
             <a:endParaRPr lang="en-US"/>
@@ -1898,7 +1904,7 @@
     </p:spTree>
     <p:extLst>
       <p:ext uri="{BB962C8B-B14F-4D97-AF65-F5344CB8AC3E}">
-        <p14:creationId xmlns:p14="http://schemas.microsoft.com/office/powerpoint/2010/main" val="3906693598"/>
+        <p14:creationId xmlns:p14="http://schemas.microsoft.com/office/powerpoint/2010/main" xmlns="" val="3906693598"/>
       </p:ext>
     </p:extLst>
   </p:cSld>
@@ -2027,7 +2033,8 @@
           <a:p>
             <a:fld id="{DDC0FC74-98A3-485C-8B20-3C4902941228}" type="datetimeFigureOut">
               <a:rPr lang="en-US" smtClean="0"/>
-              <a:t>10/1/2019</a:t>
+              <a:pPr/>
+              <a:t>4/17/2020</a:t>
             </a:fld>
             <a:endParaRPr lang="en-US"/>
           </a:p>
@@ -2069,6 +2076,7 @@
           <a:p>
             <a:fld id="{22356458-2D8D-4006-8DA0-E5C1055C5D4A}" type="slidenum">
               <a:rPr lang="en-US" smtClean="0"/>
+              <a:pPr/>
               <a:t>‹#›</a:t>
             </a:fld>
             <a:endParaRPr lang="en-US"/>
@@ -2078,7 +2086,7 @@
     </p:spTree>
     <p:extLst>
       <p:ext uri="{BB962C8B-B14F-4D97-AF65-F5344CB8AC3E}">
-        <p14:creationId xmlns:p14="http://schemas.microsoft.com/office/powerpoint/2010/main" val="3679475060"/>
+        <p14:creationId xmlns:p14="http://schemas.microsoft.com/office/powerpoint/2010/main" xmlns="" val="3679475060"/>
       </p:ext>
     </p:extLst>
   </p:cSld>
@@ -2197,7 +2205,8 @@
           <a:p>
             <a:fld id="{DDC0FC74-98A3-485C-8B20-3C4902941228}" type="datetimeFigureOut">
               <a:rPr lang="en-US" smtClean="0"/>
-              <a:t>10/1/2019</a:t>
+              <a:pPr/>
+              <a:t>4/17/2020</a:t>
             </a:fld>
             <a:endParaRPr lang="en-US"/>
           </a:p>
@@ -2239,6 +2248,7 @@
           <a:p>
             <a:fld id="{22356458-2D8D-4006-8DA0-E5C1055C5D4A}" type="slidenum">
               <a:rPr lang="en-US" smtClean="0"/>
+              <a:pPr/>
               <a:t>‹#›</a:t>
             </a:fld>
             <a:endParaRPr lang="en-US"/>
@@ -2248,7 +2258,7 @@
     </p:spTree>
     <p:extLst>
       <p:ext uri="{BB962C8B-B14F-4D97-AF65-F5344CB8AC3E}">
-        <p14:creationId xmlns:p14="http://schemas.microsoft.com/office/powerpoint/2010/main" val="826714798"/>
+        <p14:creationId xmlns:p14="http://schemas.microsoft.com/office/powerpoint/2010/main" xmlns="" val="826714798"/>
       </p:ext>
     </p:extLst>
   </p:cSld>
@@ -2443,7 +2453,8 @@
           <a:p>
             <a:fld id="{DDC0FC74-98A3-485C-8B20-3C4902941228}" type="datetimeFigureOut">
               <a:rPr lang="en-US" smtClean="0"/>
-              <a:t>10/1/2019</a:t>
+              <a:pPr/>
+              <a:t>4/17/2020</a:t>
             </a:fld>
             <a:endParaRPr lang="en-US"/>
           </a:p>
@@ -2485,6 +2496,7 @@
           <a:p>
             <a:fld id="{22356458-2D8D-4006-8DA0-E5C1055C5D4A}" type="slidenum">
               <a:rPr lang="en-US" smtClean="0"/>
+              <a:pPr/>
               <a:t>‹#›</a:t>
             </a:fld>
             <a:endParaRPr lang="en-US"/>
@@ -2494,7 +2506,7 @@
     </p:spTree>
     <p:extLst>
       <p:ext uri="{BB962C8B-B14F-4D97-AF65-F5344CB8AC3E}">
-        <p14:creationId xmlns:p14="http://schemas.microsoft.com/office/powerpoint/2010/main" val="459470873"/>
+        <p14:creationId xmlns:p14="http://schemas.microsoft.com/office/powerpoint/2010/main" xmlns="" val="459470873"/>
       </p:ext>
     </p:extLst>
   </p:cSld>
@@ -2675,7 +2687,8 @@
           <a:p>
             <a:fld id="{DDC0FC74-98A3-485C-8B20-3C4902941228}" type="datetimeFigureOut">
               <a:rPr lang="en-US" smtClean="0"/>
-              <a:t>10/1/2019</a:t>
+              <a:pPr/>
+              <a:t>4/17/2020</a:t>
             </a:fld>
             <a:endParaRPr lang="en-US"/>
           </a:p>
@@ -2717,6 +2730,7 @@
           <a:p>
             <a:fld id="{22356458-2D8D-4006-8DA0-E5C1055C5D4A}" type="slidenum">
               <a:rPr lang="en-US" smtClean="0"/>
+              <a:pPr/>
               <a:t>‹#›</a:t>
             </a:fld>
             <a:endParaRPr lang="en-US"/>
@@ -2726,7 +2740,7 @@
     </p:spTree>
     <p:extLst>
       <p:ext uri="{BB962C8B-B14F-4D97-AF65-F5344CB8AC3E}">
-        <p14:creationId xmlns:p14="http://schemas.microsoft.com/office/powerpoint/2010/main" val="4279615308"/>
+        <p14:creationId xmlns:p14="http://schemas.microsoft.com/office/powerpoint/2010/main" xmlns="" val="4279615308"/>
       </p:ext>
     </p:extLst>
   </p:cSld>
@@ -3042,7 +3056,8 @@
           <a:p>
             <a:fld id="{DDC0FC74-98A3-485C-8B20-3C4902941228}" type="datetimeFigureOut">
               <a:rPr lang="en-US" smtClean="0"/>
-              <a:t>10/1/2019</a:t>
+              <a:pPr/>
+              <a:t>4/17/2020</a:t>
             </a:fld>
             <a:endParaRPr lang="en-US"/>
           </a:p>
@@ -3084,6 +3099,7 @@
           <a:p>
             <a:fld id="{22356458-2D8D-4006-8DA0-E5C1055C5D4A}" type="slidenum">
               <a:rPr lang="en-US" smtClean="0"/>
+              <a:pPr/>
               <a:t>‹#›</a:t>
             </a:fld>
             <a:endParaRPr lang="en-US"/>
@@ -3093,7 +3109,7 @@
     </p:spTree>
     <p:extLst>
       <p:ext uri="{BB962C8B-B14F-4D97-AF65-F5344CB8AC3E}">
-        <p14:creationId xmlns:p14="http://schemas.microsoft.com/office/powerpoint/2010/main" val="579316447"/>
+        <p14:creationId xmlns:p14="http://schemas.microsoft.com/office/powerpoint/2010/main" xmlns="" val="579316447"/>
       </p:ext>
     </p:extLst>
   </p:cSld>
@@ -3160,7 +3176,8 @@
           <a:p>
             <a:fld id="{DDC0FC74-98A3-485C-8B20-3C4902941228}" type="datetimeFigureOut">
               <a:rPr lang="en-US" smtClean="0"/>
-              <a:t>10/1/2019</a:t>
+              <a:pPr/>
+              <a:t>4/17/2020</a:t>
             </a:fld>
             <a:endParaRPr lang="en-US"/>
           </a:p>
@@ -3202,6 +3219,7 @@
           <a:p>
             <a:fld id="{22356458-2D8D-4006-8DA0-E5C1055C5D4A}" type="slidenum">
               <a:rPr lang="en-US" smtClean="0"/>
+              <a:pPr/>
               <a:t>‹#›</a:t>
             </a:fld>
             <a:endParaRPr lang="en-US"/>
@@ -3211,7 +3229,7 @@
     </p:spTree>
     <p:extLst>
       <p:ext uri="{BB962C8B-B14F-4D97-AF65-F5344CB8AC3E}">
-        <p14:creationId xmlns:p14="http://schemas.microsoft.com/office/powerpoint/2010/main" val="1803393733"/>
+        <p14:creationId xmlns:p14="http://schemas.microsoft.com/office/powerpoint/2010/main" xmlns="" val="1803393733"/>
       </p:ext>
     </p:extLst>
   </p:cSld>
@@ -3255,7 +3273,8 @@
           <a:p>
             <a:fld id="{DDC0FC74-98A3-485C-8B20-3C4902941228}" type="datetimeFigureOut">
               <a:rPr lang="en-US" smtClean="0"/>
-              <a:t>10/1/2019</a:t>
+              <a:pPr/>
+              <a:t>4/17/2020</a:t>
             </a:fld>
             <a:endParaRPr lang="en-US"/>
           </a:p>
@@ -3297,6 +3316,7 @@
           <a:p>
             <a:fld id="{22356458-2D8D-4006-8DA0-E5C1055C5D4A}" type="slidenum">
               <a:rPr lang="en-US" smtClean="0"/>
+              <a:pPr/>
               <a:t>‹#›</a:t>
             </a:fld>
             <a:endParaRPr lang="en-US"/>
@@ -3306,7 +3326,7 @@
     </p:spTree>
     <p:extLst>
       <p:ext uri="{BB962C8B-B14F-4D97-AF65-F5344CB8AC3E}">
-        <p14:creationId xmlns:p14="http://schemas.microsoft.com/office/powerpoint/2010/main" val="1203676634"/>
+        <p14:creationId xmlns:p14="http://schemas.microsoft.com/office/powerpoint/2010/main" xmlns="" val="1203676634"/>
       </p:ext>
     </p:extLst>
   </p:cSld>
@@ -3532,7 +3552,8 @@
           <a:p>
             <a:fld id="{DDC0FC74-98A3-485C-8B20-3C4902941228}" type="datetimeFigureOut">
               <a:rPr lang="en-US" smtClean="0"/>
-              <a:t>10/1/2019</a:t>
+              <a:pPr/>
+              <a:t>4/17/2020</a:t>
             </a:fld>
             <a:endParaRPr lang="en-US"/>
           </a:p>
@@ -3574,6 +3595,7 @@
           <a:p>
             <a:fld id="{22356458-2D8D-4006-8DA0-E5C1055C5D4A}" type="slidenum">
               <a:rPr lang="en-US" smtClean="0"/>
+              <a:pPr/>
               <a:t>‹#›</a:t>
             </a:fld>
             <a:endParaRPr lang="en-US"/>
@@ -3583,7 +3605,7 @@
     </p:spTree>
     <p:extLst>
       <p:ext uri="{BB962C8B-B14F-4D97-AF65-F5344CB8AC3E}">
-        <p14:creationId xmlns:p14="http://schemas.microsoft.com/office/powerpoint/2010/main" val="3990090365"/>
+        <p14:creationId xmlns:p14="http://schemas.microsoft.com/office/powerpoint/2010/main" xmlns="" val="3990090365"/>
       </p:ext>
     </p:extLst>
   </p:cSld>
@@ -3785,7 +3807,8 @@
           <a:p>
             <a:fld id="{DDC0FC74-98A3-485C-8B20-3C4902941228}" type="datetimeFigureOut">
               <a:rPr lang="en-US" smtClean="0"/>
-              <a:t>10/1/2019</a:t>
+              <a:pPr/>
+              <a:t>4/17/2020</a:t>
             </a:fld>
             <a:endParaRPr lang="en-US"/>
           </a:p>
@@ -3827,6 +3850,7 @@
           <a:p>
             <a:fld id="{22356458-2D8D-4006-8DA0-E5C1055C5D4A}" type="slidenum">
               <a:rPr lang="en-US" smtClean="0"/>
+              <a:pPr/>
               <a:t>‹#›</a:t>
             </a:fld>
             <a:endParaRPr lang="en-US"/>
@@ -3836,7 +3860,7 @@
     </p:spTree>
     <p:extLst>
       <p:ext uri="{BB962C8B-B14F-4D97-AF65-F5344CB8AC3E}">
-        <p14:creationId xmlns:p14="http://schemas.microsoft.com/office/powerpoint/2010/main" val="2193878482"/>
+        <p14:creationId xmlns:p14="http://schemas.microsoft.com/office/powerpoint/2010/main" xmlns="" val="2193878482"/>
       </p:ext>
     </p:extLst>
   </p:cSld>
@@ -3998,7 +4022,8 @@
           <a:p>
             <a:fld id="{DDC0FC74-98A3-485C-8B20-3C4902941228}" type="datetimeFigureOut">
               <a:rPr lang="en-US" smtClean="0"/>
-              <a:t>10/1/2019</a:t>
+              <a:pPr/>
+              <a:t>4/17/2020</a:t>
             </a:fld>
             <a:endParaRPr lang="en-US"/>
           </a:p>
@@ -4076,6 +4101,7 @@
           <a:p>
             <a:fld id="{22356458-2D8D-4006-8DA0-E5C1055C5D4A}" type="slidenum">
               <a:rPr lang="en-US" smtClean="0"/>
+              <a:pPr/>
               <a:t>‹#›</a:t>
             </a:fld>
             <a:endParaRPr lang="en-US"/>
@@ -4085,7 +4111,7 @@
     </p:spTree>
     <p:extLst>
       <p:ext uri="{BB962C8B-B14F-4D97-AF65-F5344CB8AC3E}">
-        <p14:creationId xmlns:p14="http://schemas.microsoft.com/office/powerpoint/2010/main" val="310869576"/>
+        <p14:creationId xmlns:p14="http://schemas.microsoft.com/office/powerpoint/2010/main" xmlns="" val="310869576"/>
       </p:ext>
     </p:extLst>
   </p:cSld>
@@ -4461,7 +4487,7 @@
           <a:blip r:embed="rId2" cstate="print">
             <a:extLst>
               <a:ext uri="{28A0092B-C50C-407E-A947-70E740481C1C}">
-                <a14:useLocalDpi xmlns:a14="http://schemas.microsoft.com/office/drawing/2010/main" val="0"/>
+                <a14:useLocalDpi xmlns:a14="http://schemas.microsoft.com/office/drawing/2010/main" xmlns="" val="0"/>
               </a:ext>
             </a:extLst>
           </a:blip>
@@ -4482,7 +4508,7 @@
     </p:spTree>
     <p:extLst>
       <p:ext uri="{BB962C8B-B14F-4D97-AF65-F5344CB8AC3E}">
-        <p14:creationId xmlns:p14="http://schemas.microsoft.com/office/powerpoint/2010/main" val="3318085783"/>
+        <p14:creationId xmlns:p14="http://schemas.microsoft.com/office/powerpoint/2010/main" xmlns="" val="3318085783"/>
       </p:ext>
     </p:extLst>
   </p:cSld>
@@ -4544,10 +4570,40 @@
           </a:p>
         </p:txBody>
       </p:sp>
+      <p:pic>
+        <p:nvPicPr>
+          <p:cNvPr id="3" name="Picture 2"/>
+          <p:cNvPicPr>
+            <a:picLocks noChangeAspect="1"/>
+          </p:cNvPicPr>
+          <p:nvPr/>
+        </p:nvPicPr>
+        <p:blipFill>
+          <a:blip r:embed="rId2" cstate="print">
+            <a:extLst>
+              <a:ext uri="{28A0092B-C50C-407E-A947-70E740481C1C}">
+                <a14:useLocalDpi xmlns:a14="http://schemas.microsoft.com/office/drawing/2010/main" xmlns="" val="0"/>
+              </a:ext>
+            </a:extLst>
+          </a:blip>
+          <a:stretch>
+            <a:fillRect/>
+          </a:stretch>
+        </p:blipFill>
+        <p:spPr>
+          <a:xfrm>
+            <a:off x="0" y="0"/>
+            <a:ext cx="1062463" cy="751114"/>
+          </a:xfrm>
+          <a:prstGeom prst="rect">
+            <a:avLst/>
+          </a:prstGeom>
+        </p:spPr>
+      </p:pic>
     </p:spTree>
     <p:extLst>
       <p:ext uri="{BB962C8B-B14F-4D97-AF65-F5344CB8AC3E}">
-        <p14:creationId xmlns:p14="http://schemas.microsoft.com/office/powerpoint/2010/main" val="4294179569"/>
+        <p14:creationId xmlns:p14="http://schemas.microsoft.com/office/powerpoint/2010/main" xmlns="" val="4294179569"/>
       </p:ext>
     </p:extLst>
   </p:cSld>
@@ -4690,14 +4746,14 @@
           <a:effectLst/>
           <a:extLst>
             <a:ext uri="{909E8E84-426E-40DD-AFC4-6F175D3DCCD1}">
-              <a14:hiddenFill xmlns:a14="http://schemas.microsoft.com/office/drawing/2010/main">
+              <a14:hiddenFill xmlns:a14="http://schemas.microsoft.com/office/drawing/2010/main" xmlns="">
                 <a:solidFill>
                   <a:srgbClr val="FFFFFF"/>
                 </a:solidFill>
               </a14:hiddenFill>
             </a:ext>
             <a:ext uri="{91240B29-F687-4F45-9708-019B960494DF}">
-              <a14:hiddenLine xmlns:a14="http://schemas.microsoft.com/office/drawing/2010/main" w="9525">
+              <a14:hiddenLine xmlns:a14="http://schemas.microsoft.com/office/drawing/2010/main" xmlns="" w="9525">
                 <a:solidFill>
                   <a:srgbClr val="000000"/>
                 </a:solidFill>
@@ -4707,7 +4763,7 @@
               </a14:hiddenLine>
             </a:ext>
             <a:ext uri="{AF507438-7753-43E0-B8FC-AC1667EBCBE1}">
-              <a14:hiddenEffects xmlns:a14="http://schemas.microsoft.com/office/drawing/2010/main">
+              <a14:hiddenEffects xmlns:a14="http://schemas.microsoft.com/office/drawing/2010/main" xmlns="">
                 <a:effectLst>
                   <a:outerShdw dist="35921" dir="2700000" algn="ctr" rotWithShape="0">
                     <a:srgbClr val="808080"/>
@@ -5028,14 +5084,14 @@
             <a:effectLst/>
             <a:extLst>
               <a:ext uri="{909E8E84-426E-40DD-AFC4-6F175D3DCCD1}">
-                <a14:hiddenFill xmlns:a14="http://schemas.microsoft.com/office/drawing/2010/main">
+                <a14:hiddenFill xmlns:a14="http://schemas.microsoft.com/office/drawing/2010/main" xmlns="">
                   <a:solidFill>
                     <a:srgbClr val="FFFFFF"/>
                   </a:solidFill>
                 </a14:hiddenFill>
               </a:ext>
               <a:ext uri="{91240B29-F687-4F45-9708-019B960494DF}">
-                <a14:hiddenLine xmlns:a14="http://schemas.microsoft.com/office/drawing/2010/main" w="9525">
+                <a14:hiddenLine xmlns:a14="http://schemas.microsoft.com/office/drawing/2010/main" xmlns="" w="9525">
                   <a:solidFill>
                     <a:srgbClr val="000000"/>
                   </a:solidFill>
@@ -5045,7 +5101,7 @@
                 </a14:hiddenLine>
               </a:ext>
               <a:ext uri="{AF507438-7753-43E0-B8FC-AC1667EBCBE1}">
-                <a14:hiddenEffects xmlns:a14="http://schemas.microsoft.com/office/drawing/2010/main">
+                <a14:hiddenEffects xmlns:a14="http://schemas.microsoft.com/office/drawing/2010/main" xmlns="">
                   <a:effectLst>
                     <a:outerShdw dist="35921" dir="2700000" algn="ctr" rotWithShape="0">
                       <a:srgbClr val="808080"/>
@@ -5302,14 +5358,14 @@
             <a:effectLst/>
             <a:extLst>
               <a:ext uri="{909E8E84-426E-40DD-AFC4-6F175D3DCCD1}">
-                <a14:hiddenFill xmlns:a14="http://schemas.microsoft.com/office/drawing/2010/main">
+                <a14:hiddenFill xmlns:a14="http://schemas.microsoft.com/office/drawing/2010/main" xmlns="">
                   <a:solidFill>
                     <a:srgbClr val="FFFFFF"/>
                   </a:solidFill>
                 </a14:hiddenFill>
               </a:ext>
               <a:ext uri="{91240B29-F687-4F45-9708-019B960494DF}">
-                <a14:hiddenLine xmlns:a14="http://schemas.microsoft.com/office/drawing/2010/main" w="9525">
+                <a14:hiddenLine xmlns:a14="http://schemas.microsoft.com/office/drawing/2010/main" xmlns="" w="9525">
                   <a:solidFill>
                     <a:srgbClr val="000000"/>
                   </a:solidFill>
@@ -5319,7 +5375,7 @@
                 </a14:hiddenLine>
               </a:ext>
               <a:ext uri="{AF507438-7753-43E0-B8FC-AC1667EBCBE1}">
-                <a14:hiddenEffects xmlns:a14="http://schemas.microsoft.com/office/drawing/2010/main">
+                <a14:hiddenEffects xmlns:a14="http://schemas.microsoft.com/office/drawing/2010/main" xmlns="">
                   <a:effectLst>
                     <a:outerShdw dist="35921" dir="2700000" algn="ctr" rotWithShape="0">
                       <a:srgbClr val="808080"/>
@@ -5544,14 +5600,14 @@
             <a:effectLst/>
             <a:extLst>
               <a:ext uri="{909E8E84-426E-40DD-AFC4-6F175D3DCCD1}">
-                <a14:hiddenFill xmlns:a14="http://schemas.microsoft.com/office/drawing/2010/main">
+                <a14:hiddenFill xmlns:a14="http://schemas.microsoft.com/office/drawing/2010/main" xmlns="">
                   <a:solidFill>
                     <a:srgbClr val="FFFFFF"/>
                   </a:solidFill>
                 </a14:hiddenFill>
               </a:ext>
               <a:ext uri="{91240B29-F687-4F45-9708-019B960494DF}">
-                <a14:hiddenLine xmlns:a14="http://schemas.microsoft.com/office/drawing/2010/main" w="9525">
+                <a14:hiddenLine xmlns:a14="http://schemas.microsoft.com/office/drawing/2010/main" xmlns="" w="9525">
                   <a:solidFill>
                     <a:srgbClr val="000000"/>
                   </a:solidFill>
@@ -5561,7 +5617,7 @@
                 </a14:hiddenLine>
               </a:ext>
               <a:ext uri="{AF507438-7753-43E0-B8FC-AC1667EBCBE1}">
-                <a14:hiddenEffects xmlns:a14="http://schemas.microsoft.com/office/drawing/2010/main">
+                <a14:hiddenEffects xmlns:a14="http://schemas.microsoft.com/office/drawing/2010/main" xmlns="">
                   <a:effectLst>
                     <a:outerShdw dist="35921" dir="2700000" algn="ctr" rotWithShape="0">
                       <a:srgbClr val="808080"/>
@@ -5772,14 +5828,14 @@
             <a:effectLst/>
             <a:extLst>
               <a:ext uri="{909E8E84-426E-40DD-AFC4-6F175D3DCCD1}">
-                <a14:hiddenFill xmlns:a14="http://schemas.microsoft.com/office/drawing/2010/main">
+                <a14:hiddenFill xmlns:a14="http://schemas.microsoft.com/office/drawing/2010/main" xmlns="">
                   <a:solidFill>
                     <a:srgbClr val="FFFFFF"/>
                   </a:solidFill>
                 </a14:hiddenFill>
               </a:ext>
               <a:ext uri="{91240B29-F687-4F45-9708-019B960494DF}">
-                <a14:hiddenLine xmlns:a14="http://schemas.microsoft.com/office/drawing/2010/main" w="9525">
+                <a14:hiddenLine xmlns:a14="http://schemas.microsoft.com/office/drawing/2010/main" xmlns="" w="9525">
                   <a:solidFill>
                     <a:srgbClr val="000000"/>
                   </a:solidFill>
@@ -5789,7 +5845,7 @@
                 </a14:hiddenLine>
               </a:ext>
               <a:ext uri="{AF507438-7753-43E0-B8FC-AC1667EBCBE1}">
-                <a14:hiddenEffects xmlns:a14="http://schemas.microsoft.com/office/drawing/2010/main">
+                <a14:hiddenEffects xmlns:a14="http://schemas.microsoft.com/office/drawing/2010/main" xmlns="">
                   <a:effectLst>
                     <a:outerShdw dist="35921" dir="2700000" algn="ctr" rotWithShape="0">
                       <a:srgbClr val="808080"/>
@@ -6001,7 +6057,7 @@
             <a:effectLst/>
             <a:extLst>
               <a:ext uri="{AF507438-7753-43E0-B8FC-AC1667EBCBE1}">
-                <a14:hiddenEffects xmlns:a14="http://schemas.microsoft.com/office/drawing/2010/main">
+                <a14:hiddenEffects xmlns:a14="http://schemas.microsoft.com/office/drawing/2010/main" xmlns="">
                   <a:effectLst>
                     <a:outerShdw dist="35921" dir="2700000" algn="ctr" rotWithShape="0">
                       <a:srgbClr val="808080"/>
@@ -6043,14 +6099,14 @@
           <a:effectLst/>
           <a:extLst>
             <a:ext uri="{909E8E84-426E-40DD-AFC4-6F175D3DCCD1}">
-              <a14:hiddenFill xmlns:a14="http://schemas.microsoft.com/office/drawing/2010/main">
+              <a14:hiddenFill xmlns:a14="http://schemas.microsoft.com/office/drawing/2010/main" xmlns="">
                 <a:solidFill>
                   <a:srgbClr val="FFFFFF"/>
                 </a:solidFill>
               </a14:hiddenFill>
             </a:ext>
             <a:ext uri="{91240B29-F687-4F45-9708-019B960494DF}">
-              <a14:hiddenLine xmlns:a14="http://schemas.microsoft.com/office/drawing/2010/main" w="9525">
+              <a14:hiddenLine xmlns:a14="http://schemas.microsoft.com/office/drawing/2010/main" xmlns="" w="9525">
                 <a:solidFill>
                   <a:srgbClr val="000000"/>
                 </a:solidFill>
@@ -6060,7 +6116,7 @@
               </a14:hiddenLine>
             </a:ext>
             <a:ext uri="{AF507438-7753-43E0-B8FC-AC1667EBCBE1}">
-              <a14:hiddenEffects xmlns:a14="http://schemas.microsoft.com/office/drawing/2010/main">
+              <a14:hiddenEffects xmlns:a14="http://schemas.microsoft.com/office/drawing/2010/main" xmlns="">
                 <a:effectLst>
                   <a:outerShdw dist="35921" dir="2700000" algn="ctr" rotWithShape="0">
                     <a:srgbClr val="808080"/>
@@ -6337,10 +6393,40 @@
           </a:p>
         </p:txBody>
       </p:sp>
+      <p:pic>
+        <p:nvPicPr>
+          <p:cNvPr id="12" name="Picture 11"/>
+          <p:cNvPicPr>
+            <a:picLocks noChangeAspect="1"/>
+          </p:cNvPicPr>
+          <p:nvPr/>
+        </p:nvPicPr>
+        <p:blipFill>
+          <a:blip r:embed="rId3" cstate="print">
+            <a:extLst>
+              <a:ext uri="{28A0092B-C50C-407E-A947-70E740481C1C}">
+                <a14:useLocalDpi xmlns:a14="http://schemas.microsoft.com/office/drawing/2010/main" xmlns="" val="0"/>
+              </a:ext>
+            </a:extLst>
+          </a:blip>
+          <a:stretch>
+            <a:fillRect/>
+          </a:stretch>
+        </p:blipFill>
+        <p:spPr>
+          <a:xfrm>
+            <a:off x="0" y="0"/>
+            <a:ext cx="1062463" cy="751114"/>
+          </a:xfrm>
+          <a:prstGeom prst="rect">
+            <a:avLst/>
+          </a:prstGeom>
+        </p:spPr>
+      </p:pic>
     </p:spTree>
     <p:extLst>
       <p:ext uri="{BB962C8B-B14F-4D97-AF65-F5344CB8AC3E}">
-        <p14:creationId xmlns:p14="http://schemas.microsoft.com/office/powerpoint/2010/main" val="1757050301"/>
+        <p14:creationId xmlns:p14="http://schemas.microsoft.com/office/powerpoint/2010/main" xmlns="" val="1757050301"/>
       </p:ext>
     </p:extLst>
   </p:cSld>
@@ -6493,7 +6579,7 @@
           <a:blip r:embed="rId3">
             <a:extLst>
               <a:ext uri="{28A0092B-C50C-407E-A947-70E740481C1C}">
-                <a14:useLocalDpi xmlns:a14="http://schemas.microsoft.com/office/drawing/2010/main" val="0"/>
+                <a14:useLocalDpi xmlns:a14="http://schemas.microsoft.com/office/drawing/2010/main" xmlns="" val="0"/>
               </a:ext>
             </a:extLst>
           </a:blip>
@@ -6517,7 +6603,7 @@
           <a:effectLst/>
           <a:extLst>
             <a:ext uri="{909E8E84-426E-40DD-AFC4-6F175D3DCCD1}">
-              <a14:hiddenFill xmlns:a14="http://schemas.microsoft.com/office/drawing/2010/main">
+              <a14:hiddenFill xmlns:a14="http://schemas.microsoft.com/office/drawing/2010/main" xmlns="">
                 <a:blipFill dpi="0" rotWithShape="0">
                   <a:blip/>
                   <a:srcRect/>
@@ -6528,7 +6614,7 @@
               </a14:hiddenFill>
             </a:ext>
             <a:ext uri="{91240B29-F687-4F45-9708-019B960494DF}">
-              <a14:hiddenLine xmlns:a14="http://schemas.microsoft.com/office/drawing/2010/main" w="9525">
+              <a14:hiddenLine xmlns:a14="http://schemas.microsoft.com/office/drawing/2010/main" xmlns="" w="9525">
                 <a:solidFill>
                   <a:srgbClr val="000000"/>
                 </a:solidFill>
@@ -6538,7 +6624,7 @@
               </a14:hiddenLine>
             </a:ext>
             <a:ext uri="{AF507438-7753-43E0-B8FC-AC1667EBCBE1}">
-              <a14:hiddenEffects xmlns:a14="http://schemas.microsoft.com/office/drawing/2010/main">
+              <a14:hiddenEffects xmlns:a14="http://schemas.microsoft.com/office/drawing/2010/main" xmlns="">
                 <a:effectLst>
                   <a:outerShdw dist="35921" dir="2700000" algn="ctr" rotWithShape="0">
                     <a:srgbClr val="808080"/>
@@ -6572,14 +6658,14 @@
           <a:effectLst/>
           <a:extLst>
             <a:ext uri="{909E8E84-426E-40DD-AFC4-6F175D3DCCD1}">
-              <a14:hiddenFill xmlns:a14="http://schemas.microsoft.com/office/drawing/2010/main">
+              <a14:hiddenFill xmlns:a14="http://schemas.microsoft.com/office/drawing/2010/main" xmlns="">
                 <a:solidFill>
                   <a:srgbClr val="FFFFFF"/>
                 </a:solidFill>
               </a14:hiddenFill>
             </a:ext>
             <a:ext uri="{91240B29-F687-4F45-9708-019B960494DF}">
-              <a14:hiddenLine xmlns:a14="http://schemas.microsoft.com/office/drawing/2010/main" w="9525">
+              <a14:hiddenLine xmlns:a14="http://schemas.microsoft.com/office/drawing/2010/main" xmlns="" w="9525">
                 <a:solidFill>
                   <a:srgbClr val="000000"/>
                 </a:solidFill>
@@ -6589,7 +6675,7 @@
               </a14:hiddenLine>
             </a:ext>
             <a:ext uri="{AF507438-7753-43E0-B8FC-AC1667EBCBE1}">
-              <a14:hiddenEffects xmlns:a14="http://schemas.microsoft.com/office/drawing/2010/main">
+              <a14:hiddenEffects xmlns:a14="http://schemas.microsoft.com/office/drawing/2010/main" xmlns="">
                 <a:effectLst>
                   <a:outerShdw dist="35921" dir="2700000" algn="ctr" rotWithShape="0">
                     <a:srgbClr val="808080"/>
@@ -6953,10 +7039,40 @@
           </a:p>
         </p:txBody>
       </p:sp>
+      <p:pic>
+        <p:nvPicPr>
+          <p:cNvPr id="6" name="Picture 5"/>
+          <p:cNvPicPr>
+            <a:picLocks noChangeAspect="1"/>
+          </p:cNvPicPr>
+          <p:nvPr/>
+        </p:nvPicPr>
+        <p:blipFill>
+          <a:blip r:embed="rId4" cstate="print">
+            <a:extLst>
+              <a:ext uri="{28A0092B-C50C-407E-A947-70E740481C1C}">
+                <a14:useLocalDpi xmlns:a14="http://schemas.microsoft.com/office/drawing/2010/main" xmlns="" val="0"/>
+              </a:ext>
+            </a:extLst>
+          </a:blip>
+          <a:stretch>
+            <a:fillRect/>
+          </a:stretch>
+        </p:blipFill>
+        <p:spPr>
+          <a:xfrm>
+            <a:off x="0" y="0"/>
+            <a:ext cx="1062463" cy="751114"/>
+          </a:xfrm>
+          <a:prstGeom prst="rect">
+            <a:avLst/>
+          </a:prstGeom>
+        </p:spPr>
+      </p:pic>
     </p:spTree>
     <p:extLst>
       <p:ext uri="{BB962C8B-B14F-4D97-AF65-F5344CB8AC3E}">
-        <p14:creationId xmlns:p14="http://schemas.microsoft.com/office/powerpoint/2010/main" val="3098257376"/>
+        <p14:creationId xmlns:p14="http://schemas.microsoft.com/office/powerpoint/2010/main" xmlns="" val="3098257376"/>
       </p:ext>
     </p:extLst>
   </p:cSld>
@@ -7120,14 +7236,14 @@
           <a:effectLst/>
           <a:extLst>
             <a:ext uri="{909E8E84-426E-40DD-AFC4-6F175D3DCCD1}">
-              <a14:hiddenFill xmlns:a14="http://schemas.microsoft.com/office/drawing/2010/main">
+              <a14:hiddenFill xmlns:a14="http://schemas.microsoft.com/office/drawing/2010/main" xmlns="">
                 <a:solidFill>
                   <a:srgbClr val="FFFFFF"/>
                 </a:solidFill>
               </a14:hiddenFill>
             </a:ext>
             <a:ext uri="{91240B29-F687-4F45-9708-019B960494DF}">
-              <a14:hiddenLine xmlns:a14="http://schemas.microsoft.com/office/drawing/2010/main" w="9525">
+              <a14:hiddenLine xmlns:a14="http://schemas.microsoft.com/office/drawing/2010/main" xmlns="" w="9525">
                 <a:solidFill>
                   <a:srgbClr val="000000"/>
                 </a:solidFill>
@@ -7137,7 +7253,7 @@
               </a14:hiddenLine>
             </a:ext>
             <a:ext uri="{AF507438-7753-43E0-B8FC-AC1667EBCBE1}">
-              <a14:hiddenEffects xmlns:a14="http://schemas.microsoft.com/office/drawing/2010/main">
+              <a14:hiddenEffects xmlns:a14="http://schemas.microsoft.com/office/drawing/2010/main" xmlns="">
                 <a:effectLst>
                   <a:outerShdw dist="35921" dir="2700000" algn="ctr" rotWithShape="0">
                     <a:srgbClr val="808080"/>
@@ -7418,7 +7534,7 @@
           <a:blip r:embed="rId3">
             <a:extLst>
               <a:ext uri="{28A0092B-C50C-407E-A947-70E740481C1C}">
-                <a14:useLocalDpi xmlns:a14="http://schemas.microsoft.com/office/drawing/2010/main" val="0"/>
+                <a14:useLocalDpi xmlns:a14="http://schemas.microsoft.com/office/drawing/2010/main" xmlns="" val="0"/>
               </a:ext>
             </a:extLst>
           </a:blip>
@@ -7442,7 +7558,7 @@
           <a:effectLst/>
           <a:extLst>
             <a:ext uri="{909E8E84-426E-40DD-AFC4-6F175D3DCCD1}">
-              <a14:hiddenFill xmlns:a14="http://schemas.microsoft.com/office/drawing/2010/main">
+              <a14:hiddenFill xmlns:a14="http://schemas.microsoft.com/office/drawing/2010/main" xmlns="">
                 <a:blipFill dpi="0" rotWithShape="0">
                   <a:blip/>
                   <a:srcRect l="5180" r="16086" b="2148"/>
@@ -7453,7 +7569,7 @@
               </a14:hiddenFill>
             </a:ext>
             <a:ext uri="{91240B29-F687-4F45-9708-019B960494DF}">
-              <a14:hiddenLine xmlns:a14="http://schemas.microsoft.com/office/drawing/2010/main" w="9525">
+              <a14:hiddenLine xmlns:a14="http://schemas.microsoft.com/office/drawing/2010/main" xmlns="" w="9525">
                 <a:solidFill>
                   <a:srgbClr val="000000"/>
                 </a:solidFill>
@@ -7463,7 +7579,7 @@
               </a14:hiddenLine>
             </a:ext>
             <a:ext uri="{AF507438-7753-43E0-B8FC-AC1667EBCBE1}">
-              <a14:hiddenEffects xmlns:a14="http://schemas.microsoft.com/office/drawing/2010/main">
+              <a14:hiddenEffects xmlns:a14="http://schemas.microsoft.com/office/drawing/2010/main" xmlns="">
                 <a:effectLst>
                   <a:outerShdw dist="35921" dir="2700000" algn="ctr" rotWithShape="0">
                     <a:srgbClr val="808080"/>
@@ -7474,10 +7590,40 @@
           </a:extLst>
         </p:spPr>
       </p:pic>
+      <p:pic>
+        <p:nvPicPr>
+          <p:cNvPr id="6" name="Picture 5"/>
+          <p:cNvPicPr>
+            <a:picLocks noChangeAspect="1"/>
+          </p:cNvPicPr>
+          <p:nvPr/>
+        </p:nvPicPr>
+        <p:blipFill>
+          <a:blip r:embed="rId4" cstate="print">
+            <a:extLst>
+              <a:ext uri="{28A0092B-C50C-407E-A947-70E740481C1C}">
+                <a14:useLocalDpi xmlns:a14="http://schemas.microsoft.com/office/drawing/2010/main" xmlns="" val="0"/>
+              </a:ext>
+            </a:extLst>
+          </a:blip>
+          <a:stretch>
+            <a:fillRect/>
+          </a:stretch>
+        </p:blipFill>
+        <p:spPr>
+          <a:xfrm>
+            <a:off x="0" y="0"/>
+            <a:ext cx="1062463" cy="751114"/>
+          </a:xfrm>
+          <a:prstGeom prst="rect">
+            <a:avLst/>
+          </a:prstGeom>
+        </p:spPr>
+      </p:pic>
     </p:spTree>
     <p:extLst>
       <p:ext uri="{BB962C8B-B14F-4D97-AF65-F5344CB8AC3E}">
-        <p14:creationId xmlns:p14="http://schemas.microsoft.com/office/powerpoint/2010/main" val="1799703055"/>
+        <p14:creationId xmlns:p14="http://schemas.microsoft.com/office/powerpoint/2010/main" xmlns="" val="1799703055"/>
       </p:ext>
     </p:extLst>
   </p:cSld>
@@ -7641,14 +7787,14 @@
           <a:effectLst/>
           <a:extLst>
             <a:ext uri="{909E8E84-426E-40DD-AFC4-6F175D3DCCD1}">
-              <a14:hiddenFill xmlns:a14="http://schemas.microsoft.com/office/drawing/2010/main">
+              <a14:hiddenFill xmlns:a14="http://schemas.microsoft.com/office/drawing/2010/main" xmlns="">
                 <a:solidFill>
                   <a:srgbClr val="FFFFFF"/>
                 </a:solidFill>
               </a14:hiddenFill>
             </a:ext>
             <a:ext uri="{91240B29-F687-4F45-9708-019B960494DF}">
-              <a14:hiddenLine xmlns:a14="http://schemas.microsoft.com/office/drawing/2010/main" w="9525">
+              <a14:hiddenLine xmlns:a14="http://schemas.microsoft.com/office/drawing/2010/main" xmlns="" w="9525">
                 <a:solidFill>
                   <a:srgbClr val="000000"/>
                 </a:solidFill>
@@ -7658,7 +7804,7 @@
               </a14:hiddenLine>
             </a:ext>
             <a:ext uri="{AF507438-7753-43E0-B8FC-AC1667EBCBE1}">
-              <a14:hiddenEffects xmlns:a14="http://schemas.microsoft.com/office/drawing/2010/main">
+              <a14:hiddenEffects xmlns:a14="http://schemas.microsoft.com/office/drawing/2010/main" xmlns="">
                 <a:effectLst>
                   <a:outerShdw dist="35921" dir="2700000" algn="ctr" rotWithShape="0">
                     <a:srgbClr val="808080"/>
@@ -8023,10 +8169,40 @@
           </a:p>
         </p:txBody>
       </p:sp>
+      <p:pic>
+        <p:nvPicPr>
+          <p:cNvPr id="6" name="Picture 5"/>
+          <p:cNvPicPr>
+            <a:picLocks noChangeAspect="1"/>
+          </p:cNvPicPr>
+          <p:nvPr/>
+        </p:nvPicPr>
+        <p:blipFill>
+          <a:blip r:embed="rId3" cstate="print">
+            <a:extLst>
+              <a:ext uri="{28A0092B-C50C-407E-A947-70E740481C1C}">
+                <a14:useLocalDpi xmlns:a14="http://schemas.microsoft.com/office/drawing/2010/main" xmlns="" val="0"/>
+              </a:ext>
+            </a:extLst>
+          </a:blip>
+          <a:stretch>
+            <a:fillRect/>
+          </a:stretch>
+        </p:blipFill>
+        <p:spPr>
+          <a:xfrm>
+            <a:off x="0" y="0"/>
+            <a:ext cx="1062463" cy="751114"/>
+          </a:xfrm>
+          <a:prstGeom prst="rect">
+            <a:avLst/>
+          </a:prstGeom>
+        </p:spPr>
+      </p:pic>
     </p:spTree>
     <p:extLst>
       <p:ext uri="{BB962C8B-B14F-4D97-AF65-F5344CB8AC3E}">
-        <p14:creationId xmlns:p14="http://schemas.microsoft.com/office/powerpoint/2010/main" val="2811215427"/>
+        <p14:creationId xmlns:p14="http://schemas.microsoft.com/office/powerpoint/2010/main" xmlns="" val="2811215427"/>
       </p:ext>
     </p:extLst>
   </p:cSld>
@@ -8093,7 +8269,7 @@
           <a:blip r:embed="rId3">
             <a:extLst>
               <a:ext uri="{28A0092B-C50C-407E-A947-70E740481C1C}">
-                <a14:useLocalDpi xmlns:a14="http://schemas.microsoft.com/office/drawing/2010/main" val="0"/>
+                <a14:useLocalDpi xmlns:a14="http://schemas.microsoft.com/office/drawing/2010/main" xmlns="" val="0"/>
               </a:ext>
             </a:extLst>
           </a:blip>
@@ -8117,7 +8293,7 @@
           <a:effectLst/>
           <a:extLst>
             <a:ext uri="{909E8E84-426E-40DD-AFC4-6F175D3DCCD1}">
-              <a14:hiddenFill xmlns:a14="http://schemas.microsoft.com/office/drawing/2010/main">
+              <a14:hiddenFill xmlns:a14="http://schemas.microsoft.com/office/drawing/2010/main" xmlns="">
                 <a:blipFill dpi="0" rotWithShape="0">
                   <a:blip/>
                   <a:srcRect/>
@@ -8128,7 +8304,7 @@
               </a14:hiddenFill>
             </a:ext>
             <a:ext uri="{91240B29-F687-4F45-9708-019B960494DF}">
-              <a14:hiddenLine xmlns:a14="http://schemas.microsoft.com/office/drawing/2010/main" w="9525">
+              <a14:hiddenLine xmlns:a14="http://schemas.microsoft.com/office/drawing/2010/main" xmlns="" w="9525">
                 <a:solidFill>
                   <a:srgbClr val="000000"/>
                 </a:solidFill>
@@ -8138,7 +8314,7 @@
               </a14:hiddenLine>
             </a:ext>
             <a:ext uri="{AF507438-7753-43E0-B8FC-AC1667EBCBE1}">
-              <a14:hiddenEffects xmlns:a14="http://schemas.microsoft.com/office/drawing/2010/main">
+              <a14:hiddenEffects xmlns:a14="http://schemas.microsoft.com/office/drawing/2010/main" xmlns="">
                 <a:effectLst>
                   <a:outerShdw dist="35921" dir="2700000" algn="ctr" rotWithShape="0">
                     <a:srgbClr val="808080"/>
@@ -8258,14 +8434,14 @@
           <a:effectLst/>
           <a:extLst>
             <a:ext uri="{909E8E84-426E-40DD-AFC4-6F175D3DCCD1}">
-              <a14:hiddenFill xmlns:a14="http://schemas.microsoft.com/office/drawing/2010/main">
+              <a14:hiddenFill xmlns:a14="http://schemas.microsoft.com/office/drawing/2010/main" xmlns="">
                 <a:solidFill>
                   <a:srgbClr val="FFFFFF"/>
                 </a:solidFill>
               </a14:hiddenFill>
             </a:ext>
             <a:ext uri="{91240B29-F687-4F45-9708-019B960494DF}">
-              <a14:hiddenLine xmlns:a14="http://schemas.microsoft.com/office/drawing/2010/main" w="9525">
+              <a14:hiddenLine xmlns:a14="http://schemas.microsoft.com/office/drawing/2010/main" xmlns="" w="9525">
                 <a:solidFill>
                   <a:srgbClr val="000000"/>
                 </a:solidFill>
@@ -8275,7 +8451,7 @@
               </a14:hiddenLine>
             </a:ext>
             <a:ext uri="{AF507438-7753-43E0-B8FC-AC1667EBCBE1}">
-              <a14:hiddenEffects xmlns:a14="http://schemas.microsoft.com/office/drawing/2010/main">
+              <a14:hiddenEffects xmlns:a14="http://schemas.microsoft.com/office/drawing/2010/main" xmlns="">
                 <a:effectLst>
                   <a:outerShdw dist="35921" dir="2700000" algn="ctr" rotWithShape="0">
                     <a:srgbClr val="808080"/>
@@ -8575,10 +8751,40 @@
           </a:p>
         </p:txBody>
       </p:sp>
+      <p:pic>
+        <p:nvPicPr>
+          <p:cNvPr id="6" name="Picture 5"/>
+          <p:cNvPicPr>
+            <a:picLocks noChangeAspect="1"/>
+          </p:cNvPicPr>
+          <p:nvPr/>
+        </p:nvPicPr>
+        <p:blipFill>
+          <a:blip r:embed="rId4" cstate="print">
+            <a:extLst>
+              <a:ext uri="{28A0092B-C50C-407E-A947-70E740481C1C}">
+                <a14:useLocalDpi xmlns:a14="http://schemas.microsoft.com/office/drawing/2010/main" xmlns="" val="0"/>
+              </a:ext>
+            </a:extLst>
+          </a:blip>
+          <a:stretch>
+            <a:fillRect/>
+          </a:stretch>
+        </p:blipFill>
+        <p:spPr>
+          <a:xfrm>
+            <a:off x="0" y="0"/>
+            <a:ext cx="1062463" cy="751114"/>
+          </a:xfrm>
+          <a:prstGeom prst="rect">
+            <a:avLst/>
+          </a:prstGeom>
+        </p:spPr>
+      </p:pic>
     </p:spTree>
     <p:extLst>
       <p:ext uri="{BB962C8B-B14F-4D97-AF65-F5344CB8AC3E}">
-        <p14:creationId xmlns:p14="http://schemas.microsoft.com/office/powerpoint/2010/main" val="1080888554"/>
+        <p14:creationId xmlns:p14="http://schemas.microsoft.com/office/powerpoint/2010/main" xmlns="" val="1080888554"/>
       </p:ext>
     </p:extLst>
   </p:cSld>
@@ -8742,14 +8948,14 @@
           <a:effectLst/>
           <a:extLst>
             <a:ext uri="{909E8E84-426E-40DD-AFC4-6F175D3DCCD1}">
-              <a14:hiddenFill xmlns:a14="http://schemas.microsoft.com/office/drawing/2010/main">
+              <a14:hiddenFill xmlns:a14="http://schemas.microsoft.com/office/drawing/2010/main" xmlns="">
                 <a:solidFill>
                   <a:srgbClr val="FFFFFF"/>
                 </a:solidFill>
               </a14:hiddenFill>
             </a:ext>
             <a:ext uri="{91240B29-F687-4F45-9708-019B960494DF}">
-              <a14:hiddenLine xmlns:a14="http://schemas.microsoft.com/office/drawing/2010/main" w="9525">
+              <a14:hiddenLine xmlns:a14="http://schemas.microsoft.com/office/drawing/2010/main" xmlns="" w="9525">
                 <a:solidFill>
                   <a:srgbClr val="000000"/>
                 </a:solidFill>
@@ -8759,7 +8965,7 @@
               </a14:hiddenLine>
             </a:ext>
             <a:ext uri="{AF507438-7753-43E0-B8FC-AC1667EBCBE1}">
-              <a14:hiddenEffects xmlns:a14="http://schemas.microsoft.com/office/drawing/2010/main">
+              <a14:hiddenEffects xmlns:a14="http://schemas.microsoft.com/office/drawing/2010/main" xmlns="">
                 <a:effectLst>
                   <a:outerShdw dist="35921" dir="2700000" algn="ctr" rotWithShape="0">
                     <a:srgbClr val="808080"/>
@@ -9277,14 +9483,14 @@
           <a:effectLst/>
           <a:extLst>
             <a:ext uri="{909E8E84-426E-40DD-AFC4-6F175D3DCCD1}">
-              <a14:hiddenFill xmlns:a14="http://schemas.microsoft.com/office/drawing/2010/main">
+              <a14:hiddenFill xmlns:a14="http://schemas.microsoft.com/office/drawing/2010/main" xmlns="">
                 <a:solidFill>
                   <a:srgbClr val="FFFFFF"/>
                 </a:solidFill>
               </a14:hiddenFill>
             </a:ext>
             <a:ext uri="{91240B29-F687-4F45-9708-019B960494DF}">
-              <a14:hiddenLine xmlns:a14="http://schemas.microsoft.com/office/drawing/2010/main" w="9525">
+              <a14:hiddenLine xmlns:a14="http://schemas.microsoft.com/office/drawing/2010/main" xmlns="" w="9525">
                 <a:solidFill>
                   <a:srgbClr val="000000"/>
                 </a:solidFill>
@@ -9294,7 +9500,7 @@
               </a14:hiddenLine>
             </a:ext>
             <a:ext uri="{AF507438-7753-43E0-B8FC-AC1667EBCBE1}">
-              <a14:hiddenEffects xmlns:a14="http://schemas.microsoft.com/office/drawing/2010/main">
+              <a14:hiddenEffects xmlns:a14="http://schemas.microsoft.com/office/drawing/2010/main" xmlns="">
                 <a:effectLst>
                   <a:outerShdw dist="35921" dir="2700000" algn="ctr" rotWithShape="0">
                     <a:srgbClr val="808080"/>
@@ -9585,10 +9791,40 @@
           </a:p>
         </p:txBody>
       </p:sp>
+      <p:pic>
+        <p:nvPicPr>
+          <p:cNvPr id="6" name="Picture 5"/>
+          <p:cNvPicPr>
+            <a:picLocks noChangeAspect="1"/>
+          </p:cNvPicPr>
+          <p:nvPr/>
+        </p:nvPicPr>
+        <p:blipFill>
+          <a:blip r:embed="rId3" cstate="print">
+            <a:extLst>
+              <a:ext uri="{28A0092B-C50C-407E-A947-70E740481C1C}">
+                <a14:useLocalDpi xmlns:a14="http://schemas.microsoft.com/office/drawing/2010/main" xmlns="" val="0"/>
+              </a:ext>
+            </a:extLst>
+          </a:blip>
+          <a:stretch>
+            <a:fillRect/>
+          </a:stretch>
+        </p:blipFill>
+        <p:spPr>
+          <a:xfrm>
+            <a:off x="0" y="0"/>
+            <a:ext cx="1062463" cy="751114"/>
+          </a:xfrm>
+          <a:prstGeom prst="rect">
+            <a:avLst/>
+          </a:prstGeom>
+        </p:spPr>
+      </p:pic>
     </p:spTree>
     <p:extLst>
       <p:ext uri="{BB962C8B-B14F-4D97-AF65-F5344CB8AC3E}">
-        <p14:creationId xmlns:p14="http://schemas.microsoft.com/office/powerpoint/2010/main" val="881130770"/>
+        <p14:creationId xmlns:p14="http://schemas.microsoft.com/office/powerpoint/2010/main" xmlns="" val="881130770"/>
       </p:ext>
     </p:extLst>
   </p:cSld>
@@ -9752,14 +9988,14 @@
           <a:effectLst/>
           <a:extLst>
             <a:ext uri="{909E8E84-426E-40DD-AFC4-6F175D3DCCD1}">
-              <a14:hiddenFill xmlns:a14="http://schemas.microsoft.com/office/drawing/2010/main">
+              <a14:hiddenFill xmlns:a14="http://schemas.microsoft.com/office/drawing/2010/main" xmlns="">
                 <a:solidFill>
                   <a:srgbClr val="FFFFFF"/>
                 </a:solidFill>
               </a14:hiddenFill>
             </a:ext>
             <a:ext uri="{91240B29-F687-4F45-9708-019B960494DF}">
-              <a14:hiddenLine xmlns:a14="http://schemas.microsoft.com/office/drawing/2010/main" w="9525">
+              <a14:hiddenLine xmlns:a14="http://schemas.microsoft.com/office/drawing/2010/main" xmlns="" w="9525">
                 <a:solidFill>
                   <a:srgbClr val="000000"/>
                 </a:solidFill>
@@ -9769,7 +10005,7 @@
               </a14:hiddenLine>
             </a:ext>
             <a:ext uri="{AF507438-7753-43E0-B8FC-AC1667EBCBE1}">
-              <a14:hiddenEffects xmlns:a14="http://schemas.microsoft.com/office/drawing/2010/main">
+              <a14:hiddenEffects xmlns:a14="http://schemas.microsoft.com/office/drawing/2010/main" xmlns="">
                 <a:effectLst>
                   <a:outerShdw dist="35921" dir="2700000" algn="ctr" rotWithShape="0">
                     <a:srgbClr val="808080"/>
@@ -10066,14 +10302,14 @@
           <a:effectLst/>
           <a:extLst>
             <a:ext uri="{909E8E84-426E-40DD-AFC4-6F175D3DCCD1}">
-              <a14:hiddenFill xmlns:a14="http://schemas.microsoft.com/office/drawing/2010/main">
+              <a14:hiddenFill xmlns:a14="http://schemas.microsoft.com/office/drawing/2010/main" xmlns="">
                 <a:solidFill>
                   <a:srgbClr val="FFFFFF"/>
                 </a:solidFill>
               </a14:hiddenFill>
             </a:ext>
             <a:ext uri="{91240B29-F687-4F45-9708-019B960494DF}">
-              <a14:hiddenLine xmlns:a14="http://schemas.microsoft.com/office/drawing/2010/main" w="9525">
+              <a14:hiddenLine xmlns:a14="http://schemas.microsoft.com/office/drawing/2010/main" xmlns="" w="9525">
                 <a:solidFill>
                   <a:srgbClr val="000000"/>
                 </a:solidFill>
@@ -10083,7 +10319,7 @@
               </a14:hiddenLine>
             </a:ext>
             <a:ext uri="{AF507438-7753-43E0-B8FC-AC1667EBCBE1}">
-              <a14:hiddenEffects xmlns:a14="http://schemas.microsoft.com/office/drawing/2010/main">
+              <a14:hiddenEffects xmlns:a14="http://schemas.microsoft.com/office/drawing/2010/main" xmlns="">
                 <a:effectLst>
                   <a:outerShdw dist="35921" dir="2700000" algn="ctr" rotWithShape="0">
                     <a:srgbClr val="808080"/>
@@ -10543,10 +10779,40 @@
           </a:p>
         </p:txBody>
       </p:sp>
+      <p:pic>
+        <p:nvPicPr>
+          <p:cNvPr id="6" name="Picture 5"/>
+          <p:cNvPicPr>
+            <a:picLocks noChangeAspect="1"/>
+          </p:cNvPicPr>
+          <p:nvPr/>
+        </p:nvPicPr>
+        <p:blipFill>
+          <a:blip r:embed="rId3" cstate="print">
+            <a:extLst>
+              <a:ext uri="{28A0092B-C50C-407E-A947-70E740481C1C}">
+                <a14:useLocalDpi xmlns:a14="http://schemas.microsoft.com/office/drawing/2010/main" xmlns="" val="0"/>
+              </a:ext>
+            </a:extLst>
+          </a:blip>
+          <a:stretch>
+            <a:fillRect/>
+          </a:stretch>
+        </p:blipFill>
+        <p:spPr>
+          <a:xfrm>
+            <a:off x="0" y="0"/>
+            <a:ext cx="1062463" cy="751114"/>
+          </a:xfrm>
+          <a:prstGeom prst="rect">
+            <a:avLst/>
+          </a:prstGeom>
+        </p:spPr>
+      </p:pic>
     </p:spTree>
     <p:extLst>
       <p:ext uri="{BB962C8B-B14F-4D97-AF65-F5344CB8AC3E}">
-        <p14:creationId xmlns:p14="http://schemas.microsoft.com/office/powerpoint/2010/main" val="2268292302"/>
+        <p14:creationId xmlns:p14="http://schemas.microsoft.com/office/powerpoint/2010/main" xmlns="" val="2268292302"/>
       </p:ext>
     </p:extLst>
   </p:cSld>
@@ -10710,14 +10976,14 @@
           <a:effectLst/>
           <a:extLst>
             <a:ext uri="{909E8E84-426E-40DD-AFC4-6F175D3DCCD1}">
-              <a14:hiddenFill xmlns:a14="http://schemas.microsoft.com/office/drawing/2010/main">
+              <a14:hiddenFill xmlns:a14="http://schemas.microsoft.com/office/drawing/2010/main" xmlns="">
                 <a:solidFill>
                   <a:srgbClr val="FFFFFF"/>
                 </a:solidFill>
               </a14:hiddenFill>
             </a:ext>
             <a:ext uri="{91240B29-F687-4F45-9708-019B960494DF}">
-              <a14:hiddenLine xmlns:a14="http://schemas.microsoft.com/office/drawing/2010/main" w="9525">
+              <a14:hiddenLine xmlns:a14="http://schemas.microsoft.com/office/drawing/2010/main" xmlns="" w="9525">
                 <a:solidFill>
                   <a:srgbClr val="000000"/>
                 </a:solidFill>
@@ -10727,7 +10993,7 @@
               </a14:hiddenLine>
             </a:ext>
             <a:ext uri="{AF507438-7753-43E0-B8FC-AC1667EBCBE1}">
-              <a14:hiddenEffects xmlns:a14="http://schemas.microsoft.com/office/drawing/2010/main">
+              <a14:hiddenEffects xmlns:a14="http://schemas.microsoft.com/office/drawing/2010/main" xmlns="">
                 <a:effectLst>
                   <a:outerShdw dist="35921" dir="2700000" algn="ctr" rotWithShape="0">
                     <a:srgbClr val="808080"/>
@@ -10999,14 +11265,14 @@
           <a:effectLst/>
           <a:extLst>
             <a:ext uri="{909E8E84-426E-40DD-AFC4-6F175D3DCCD1}">
-              <a14:hiddenFill xmlns:a14="http://schemas.microsoft.com/office/drawing/2010/main">
+              <a14:hiddenFill xmlns:a14="http://schemas.microsoft.com/office/drawing/2010/main" xmlns="">
                 <a:solidFill>
                   <a:srgbClr val="FFFFFF"/>
                 </a:solidFill>
               </a14:hiddenFill>
             </a:ext>
             <a:ext uri="{91240B29-F687-4F45-9708-019B960494DF}">
-              <a14:hiddenLine xmlns:a14="http://schemas.microsoft.com/office/drawing/2010/main" w="9525">
+              <a14:hiddenLine xmlns:a14="http://schemas.microsoft.com/office/drawing/2010/main" xmlns="" w="9525">
                 <a:solidFill>
                   <a:srgbClr val="000000"/>
                 </a:solidFill>
@@ -11016,7 +11282,7 @@
               </a14:hiddenLine>
             </a:ext>
             <a:ext uri="{AF507438-7753-43E0-B8FC-AC1667EBCBE1}">
-              <a14:hiddenEffects xmlns:a14="http://schemas.microsoft.com/office/drawing/2010/main">
+              <a14:hiddenEffects xmlns:a14="http://schemas.microsoft.com/office/drawing/2010/main" xmlns="">
                 <a:effectLst>
                   <a:outerShdw dist="35921" dir="2700000" algn="ctr" rotWithShape="0">
                     <a:srgbClr val="808080"/>
@@ -11530,10 +11796,40 @@
           </a:p>
         </p:txBody>
       </p:sp>
+      <p:pic>
+        <p:nvPicPr>
+          <p:cNvPr id="6" name="Picture 5"/>
+          <p:cNvPicPr>
+            <a:picLocks noChangeAspect="1"/>
+          </p:cNvPicPr>
+          <p:nvPr/>
+        </p:nvPicPr>
+        <p:blipFill>
+          <a:blip r:embed="rId3" cstate="print">
+            <a:extLst>
+              <a:ext uri="{28A0092B-C50C-407E-A947-70E740481C1C}">
+                <a14:useLocalDpi xmlns:a14="http://schemas.microsoft.com/office/drawing/2010/main" xmlns="" val="0"/>
+              </a:ext>
+            </a:extLst>
+          </a:blip>
+          <a:stretch>
+            <a:fillRect/>
+          </a:stretch>
+        </p:blipFill>
+        <p:spPr>
+          <a:xfrm>
+            <a:off x="0" y="0"/>
+            <a:ext cx="1062463" cy="751114"/>
+          </a:xfrm>
+          <a:prstGeom prst="rect">
+            <a:avLst/>
+          </a:prstGeom>
+        </p:spPr>
+      </p:pic>
     </p:spTree>
     <p:extLst>
       <p:ext uri="{BB962C8B-B14F-4D97-AF65-F5344CB8AC3E}">
-        <p14:creationId xmlns:p14="http://schemas.microsoft.com/office/powerpoint/2010/main" val="2819429054"/>
+        <p14:creationId xmlns:p14="http://schemas.microsoft.com/office/powerpoint/2010/main" xmlns="" val="2819429054"/>
       </p:ext>
     </p:extLst>
   </p:cSld>
@@ -11614,7 +11910,7 @@
     </a:clrScheme>
     <a:fontScheme name="Office">
       <a:majorFont>
-        <a:latin typeface="Calibri Light" panose="020F0302020204030204"/>
+        <a:latin typeface="Calibri Light"/>
         <a:ea typeface=""/>
         <a:cs typeface=""/>
         <a:font script="Jpan" typeface="ＭＳ Ｐゴシック"/>
@@ -11649,7 +11945,7 @@
         <a:font script="Geor" typeface="Sylfaen"/>
       </a:majorFont>
       <a:minorFont>
-        <a:latin typeface="Calibri" panose="020F0502020204030204"/>
+        <a:latin typeface="Calibri"/>
         <a:ea typeface=""/>
         <a:cs typeface=""/>
         <a:font script="Jpan" typeface="ＭＳ Ｐゴシック"/>
@@ -11826,7 +12122,7 @@
   <a:extraClrSchemeLst/>
   <a:extLst>
     <a:ext uri="{05A4C25C-085E-4340-85A3-A5531E510DB2}">
-      <thm15:themeFamily xmlns:thm15="http://schemas.microsoft.com/office/thememl/2012/main" name="Office Theme" id="{62F939B6-93AF-4DB8-9C6B-D6C7DFDC589F}" vid="{4A3C46E8-61CC-4603-A589-7422A47A8E4A}"/>
+      <thm15:themeFamily xmlns:thm15="http://schemas.microsoft.com/office/thememl/2012/main" xmlns="" name="Office Theme" id="{62F939B6-93AF-4DB8-9C6B-D6C7DFDC589F}" vid="{4A3C46E8-61CC-4603-A589-7422A47A8E4A}"/>
     </a:ext>
   </a:extLst>
 </a:theme>
@@ -11875,7 +12171,7 @@
     </a:clrScheme>
     <a:fontScheme name="Office">
       <a:majorFont>
-        <a:latin typeface="Calibri Light" panose="020F0302020204030204"/>
+        <a:latin typeface="Calibri Light"/>
         <a:ea typeface=""/>
         <a:cs typeface=""/>
         <a:font script="Jpan" typeface="ＭＳ Ｐゴシック"/>
@@ -11910,7 +12206,7 @@
         <a:font script="Geor" typeface="Sylfaen"/>
       </a:majorFont>
       <a:minorFont>
-        <a:latin typeface="Calibri" panose="020F0502020204030204"/>
+        <a:latin typeface="Calibri"/>
         <a:ea typeface=""/>
         <a:cs typeface=""/>
         <a:font script="Jpan" typeface="ＭＳ Ｐゴシック"/>
@@ -12087,7 +12383,7 @@
   <a:extraClrSchemeLst/>
   <a:extLst>
     <a:ext uri="{05A4C25C-085E-4340-85A3-A5531E510DB2}">
-      <thm15:themeFamily xmlns:thm15="http://schemas.microsoft.com/office/thememl/2012/main" name="Office Theme" id="{62F939B6-93AF-4DB8-9C6B-D6C7DFDC589F}" vid="{4A3C46E8-61CC-4603-A589-7422A47A8E4A}"/>
+      <thm15:themeFamily xmlns:thm15="http://schemas.microsoft.com/office/thememl/2012/main" xmlns="" name="Office Theme" id="{62F939B6-93AF-4DB8-9C6B-D6C7DFDC589F}" vid="{4A3C46E8-61CC-4603-A589-7422A47A8E4A}"/>
     </a:ext>
   </a:extLst>
 </a:theme>
